--- a/기획서/문서/저장 불러오기 시스템.pptx
+++ b/기획서/문서/저장 불러오기 시스템.pptx
@@ -216,7 +216,7 @@
           <a:p>
             <a:fld id="{D686C50E-113A-4B4A-8A5C-9EE1E9DBA064}" type="datetimeFigureOut">
               <a:rPr lang="ko-KR" altLang="en-US" smtClean="0"/>
-              <a:t>2021-05-26</a:t>
+              <a:t>2021-05-27</a:t>
             </a:fld>
             <a:endParaRPr lang="ko-KR" altLang="en-US" dirty="0"/>
           </a:p>
@@ -393,7 +393,7 @@
           <a:p>
             <a:fld id="{40EC3B2E-CA71-40FC-A78E-FA212ABD0BB7}" type="datetimeFigureOut">
               <a:rPr lang="ko-KR" altLang="en-US" smtClean="0"/>
-              <a:t>2021-05-26</a:t>
+              <a:t>2021-05-27</a:t>
             </a:fld>
             <a:endParaRPr lang="ko-KR" altLang="en-US" dirty="0"/>
           </a:p>
@@ -791,7 +791,7 @@
           <a:p>
             <a:fld id="{F8CAAD71-D53C-4447-AAA3-BC9075A67E69}" type="datetimeFigureOut">
               <a:rPr lang="ko-KR" altLang="en-US" smtClean="0"/>
-              <a:t>2021-05-26</a:t>
+              <a:t>2021-05-27</a:t>
             </a:fld>
             <a:endParaRPr lang="ko-KR" altLang="en-US" dirty="0"/>
           </a:p>
@@ -961,7 +961,7 @@
           <a:p>
             <a:fld id="{F8CAAD71-D53C-4447-AAA3-BC9075A67E69}" type="datetimeFigureOut">
               <a:rPr lang="ko-KR" altLang="en-US" smtClean="0"/>
-              <a:t>2021-05-26</a:t>
+              <a:t>2021-05-27</a:t>
             </a:fld>
             <a:endParaRPr lang="ko-KR" altLang="en-US" dirty="0"/>
           </a:p>
@@ -1141,7 +1141,7 @@
           <a:p>
             <a:fld id="{F8CAAD71-D53C-4447-AAA3-BC9075A67E69}" type="datetimeFigureOut">
               <a:rPr lang="ko-KR" altLang="en-US" smtClean="0"/>
-              <a:t>2021-05-26</a:t>
+              <a:t>2021-05-27</a:t>
             </a:fld>
             <a:endParaRPr lang="ko-KR" altLang="en-US" dirty="0"/>
           </a:p>
@@ -1311,7 +1311,7 @@
           <a:p>
             <a:fld id="{F8CAAD71-D53C-4447-AAA3-BC9075A67E69}" type="datetimeFigureOut">
               <a:rPr lang="ko-KR" altLang="en-US" smtClean="0"/>
-              <a:t>2021-05-26</a:t>
+              <a:t>2021-05-27</a:t>
             </a:fld>
             <a:endParaRPr lang="ko-KR" altLang="en-US" dirty="0"/>
           </a:p>
@@ -1557,7 +1557,7 @@
           <a:p>
             <a:fld id="{F8CAAD71-D53C-4447-AAA3-BC9075A67E69}" type="datetimeFigureOut">
               <a:rPr lang="ko-KR" altLang="en-US" smtClean="0"/>
-              <a:t>2021-05-26</a:t>
+              <a:t>2021-05-27</a:t>
             </a:fld>
             <a:endParaRPr lang="ko-KR" altLang="en-US" dirty="0"/>
           </a:p>
@@ -1789,7 +1789,7 @@
           <a:p>
             <a:fld id="{F8CAAD71-D53C-4447-AAA3-BC9075A67E69}" type="datetimeFigureOut">
               <a:rPr lang="ko-KR" altLang="en-US" smtClean="0"/>
-              <a:t>2021-05-26</a:t>
+              <a:t>2021-05-27</a:t>
             </a:fld>
             <a:endParaRPr lang="ko-KR" altLang="en-US" dirty="0"/>
           </a:p>
@@ -2156,7 +2156,7 @@
           <a:p>
             <a:fld id="{F8CAAD71-D53C-4447-AAA3-BC9075A67E69}" type="datetimeFigureOut">
               <a:rPr lang="ko-KR" altLang="en-US" smtClean="0"/>
-              <a:t>2021-05-26</a:t>
+              <a:t>2021-05-27</a:t>
             </a:fld>
             <a:endParaRPr lang="ko-KR" altLang="en-US" dirty="0"/>
           </a:p>
@@ -2274,7 +2274,7 @@
           <a:p>
             <a:fld id="{F8CAAD71-D53C-4447-AAA3-BC9075A67E69}" type="datetimeFigureOut">
               <a:rPr lang="ko-KR" altLang="en-US" smtClean="0"/>
-              <a:t>2021-05-26</a:t>
+              <a:t>2021-05-27</a:t>
             </a:fld>
             <a:endParaRPr lang="ko-KR" altLang="en-US" dirty="0"/>
           </a:p>
@@ -2369,7 +2369,7 @@
           <a:p>
             <a:fld id="{F8CAAD71-D53C-4447-AAA3-BC9075A67E69}" type="datetimeFigureOut">
               <a:rPr lang="ko-KR" altLang="en-US" smtClean="0"/>
-              <a:t>2021-05-26</a:t>
+              <a:t>2021-05-27</a:t>
             </a:fld>
             <a:endParaRPr lang="ko-KR" altLang="en-US" dirty="0"/>
           </a:p>
@@ -2646,7 +2646,7 @@
           <a:p>
             <a:fld id="{F8CAAD71-D53C-4447-AAA3-BC9075A67E69}" type="datetimeFigureOut">
               <a:rPr lang="ko-KR" altLang="en-US" smtClean="0"/>
-              <a:t>2021-05-26</a:t>
+              <a:t>2021-05-27</a:t>
             </a:fld>
             <a:endParaRPr lang="ko-KR" altLang="en-US" dirty="0"/>
           </a:p>
@@ -2903,7 +2903,7 @@
           <a:p>
             <a:fld id="{F8CAAD71-D53C-4447-AAA3-BC9075A67E69}" type="datetimeFigureOut">
               <a:rPr lang="ko-KR" altLang="en-US" smtClean="0"/>
-              <a:t>2021-05-26</a:t>
+              <a:t>2021-05-27</a:t>
             </a:fld>
             <a:endParaRPr lang="ko-KR" altLang="en-US" dirty="0"/>
           </a:p>
@@ -3121,7 +3121,7 @@
           <a:p>
             <a:fld id="{F8CAAD71-D53C-4447-AAA3-BC9075A67E69}" type="datetimeFigureOut">
               <a:rPr lang="ko-KR" altLang="en-US" smtClean="0"/>
-              <a:t>2021-05-26</a:t>
+              <a:t>2021-05-27</a:t>
             </a:fld>
             <a:endParaRPr lang="ko-KR" altLang="en-US" dirty="0"/>
           </a:p>
@@ -3781,7 +3781,7 @@
         <p:spPr>
           <a:xfrm>
             <a:off x="445276" y="1697447"/>
-            <a:ext cx="14680424" cy="1128963"/>
+            <a:ext cx="14680424" cy="1682961"/>
           </a:xfrm>
           <a:prstGeom prst="rect">
             <a:avLst/>
@@ -3834,6 +3834,31 @@
                 <a:ea typeface="+mj-ea"/>
               </a:rPr>
               <a:t>저장 데이터 관리</a:t>
+            </a:r>
+            <a:endParaRPr lang="en-US" altLang="ko-KR" sz="2400" b="1" dirty="0">
+              <a:solidFill>
+                <a:schemeClr val="bg1"/>
+              </a:solidFill>
+              <a:latin typeface="+mj-ea"/>
+              <a:ea typeface="+mj-ea"/>
+            </a:endParaRPr>
+          </a:p>
+          <a:p>
+            <a:pPr marL="342900" indent="-342900">
+              <a:lnSpc>
+                <a:spcPct val="150000"/>
+              </a:lnSpc>
+              <a:buAutoNum type="arabicPeriod"/>
+            </a:pPr>
+            <a:r>
+              <a:rPr lang="ko-KR" altLang="en-US" sz="2400" b="1" dirty="0">
+                <a:solidFill>
+                  <a:schemeClr val="bg1"/>
+                </a:solidFill>
+                <a:latin typeface="+mj-ea"/>
+                <a:ea typeface="+mj-ea"/>
+              </a:rPr>
+              <a:t>게임 저장</a:t>
             </a:r>
             <a:endParaRPr lang="en-US" altLang="ko-KR" sz="2400" b="1" dirty="0">
               <a:solidFill>
@@ -5045,6 +5070,53 @@
           </a:prstGeom>
         </p:spPr>
       </p:pic>
+      <p:sp>
+        <p:nvSpPr>
+          <p:cNvPr id="7" name="TextBox 6">
+            <a:extLst>
+              <a:ext uri="{FF2B5EF4-FFF2-40B4-BE49-F238E27FC236}">
+                <a16:creationId xmlns:a16="http://schemas.microsoft.com/office/drawing/2014/main" id="{0DC530FA-0484-4642-85A4-EC66953254BA}"/>
+              </a:ext>
+            </a:extLst>
+          </p:cNvPr>
+          <p:cNvSpPr txBox="1"/>
+          <p:nvPr/>
+        </p:nvSpPr>
+        <p:spPr>
+          <a:xfrm>
+            <a:off x="10220366" y="5671220"/>
+            <a:ext cx="7288171" cy="369332"/>
+          </a:xfrm>
+          <a:prstGeom prst="rect">
+            <a:avLst/>
+          </a:prstGeom>
+          <a:solidFill>
+            <a:schemeClr val="bg1">
+              <a:alpha val="20000"/>
+            </a:schemeClr>
+          </a:solidFill>
+        </p:spPr>
+        <p:txBody>
+          <a:bodyPr wrap="square" rtlCol="0">
+            <a:spAutoFit/>
+          </a:bodyPr>
+          <a:lstStyle/>
+          <a:p>
+            <a:pPr algn="ctr"/>
+            <a:r>
+              <a:rPr lang="ko-KR" altLang="en-US" b="1" dirty="0">
+                <a:latin typeface="HY그래픽M" panose="02030600000101010101" pitchFamily="18" charset="-127"/>
+                <a:ea typeface="HY그래픽M" panose="02030600000101010101" pitchFamily="18" charset="-127"/>
+              </a:rPr>
+              <a:t>타이틀화면 구성 예시 </a:t>
+            </a:r>
+            <a:endParaRPr lang="en-US" altLang="ko-KR" b="1" dirty="0">
+              <a:latin typeface="HY그래픽M" panose="02030600000101010101" pitchFamily="18" charset="-127"/>
+              <a:ea typeface="HY그래픽M" panose="02030600000101010101" pitchFamily="18" charset="-127"/>
+            </a:endParaRPr>
+          </a:p>
+        </p:txBody>
+      </p:sp>
     </p:spTree>
     <p:extLst>
       <p:ext uri="{BB962C8B-B14F-4D97-AF65-F5344CB8AC3E}">
@@ -5201,7 +5273,7 @@
         <p:spPr>
           <a:xfrm>
             <a:off x="101601" y="1445888"/>
-            <a:ext cx="9375737" cy="646331"/>
+            <a:ext cx="9375737" cy="2862322"/>
           </a:xfrm>
           <a:prstGeom prst="rect">
             <a:avLst/>
@@ -5227,15 +5299,198 @@
                 <a:latin typeface="HY그래픽M" panose="02030600000101010101" pitchFamily="18" charset="-127"/>
                 <a:ea typeface="HY그래픽M" panose="02030600000101010101" pitchFamily="18" charset="-127"/>
               </a:rPr>
-              <a:t>게임 저장은 이벤트 단위로 이루어진다</a:t>
+              <a:t>게임 저장은 </a:t>
             </a:r>
             <a:r>
               <a:rPr lang="en-US" altLang="ko-KR" b="1" dirty="0">
+                <a:solidFill>
+                  <a:schemeClr val="accent4"/>
+                </a:solidFill>
+                <a:latin typeface="HY그래픽M" panose="02030600000101010101" pitchFamily="18" charset="-127"/>
+                <a:ea typeface="HY그래픽M" panose="02030600000101010101" pitchFamily="18" charset="-127"/>
+              </a:rPr>
+              <a:t>2</a:t>
+            </a:r>
+            <a:r>
+              <a:rPr lang="ko-KR" altLang="en-US" b="1" dirty="0">
+                <a:solidFill>
+                  <a:schemeClr val="accent4"/>
+                </a:solidFill>
+                <a:latin typeface="HY그래픽M" panose="02030600000101010101" pitchFamily="18" charset="-127"/>
+                <a:ea typeface="HY그래픽M" panose="02030600000101010101" pitchFamily="18" charset="-127"/>
+              </a:rPr>
+              <a:t>가지 트리거로 인해 자동으로 진행</a:t>
+            </a:r>
+            <a:r>
+              <a:rPr lang="ko-KR" altLang="en-US" b="1" dirty="0">
+                <a:latin typeface="HY그래픽M" panose="02030600000101010101" pitchFamily="18" charset="-127"/>
+                <a:ea typeface="HY그래픽M" panose="02030600000101010101" pitchFamily="18" charset="-127"/>
+              </a:rPr>
+              <a:t>된다</a:t>
+            </a:r>
+            <a:r>
+              <a:rPr lang="en-US" altLang="ko-KR" b="1" dirty="0">
                 <a:latin typeface="HY그래픽M" panose="02030600000101010101" pitchFamily="18" charset="-127"/>
                 <a:ea typeface="HY그래픽M" panose="02030600000101010101" pitchFamily="18" charset="-127"/>
               </a:rPr>
               <a:t>.</a:t>
             </a:r>
+          </a:p>
+          <a:p>
+            <a:r>
+              <a:rPr lang="ko-KR" altLang="en-US" b="1" dirty="0">
+                <a:solidFill>
+                  <a:schemeClr val="bg1"/>
+                </a:solidFill>
+                <a:latin typeface="HY그래픽M" panose="02030600000101010101" pitchFamily="18" charset="-127"/>
+                <a:ea typeface="HY그래픽M" panose="02030600000101010101" pitchFamily="18" charset="-127"/>
+              </a:rPr>
+              <a:t>① 이벤트가 끝난 시점</a:t>
+            </a:r>
+            <a:endParaRPr lang="en-US" altLang="ko-KR" b="1" dirty="0">
+              <a:solidFill>
+                <a:schemeClr val="bg1"/>
+              </a:solidFill>
+              <a:latin typeface="HY그래픽M" panose="02030600000101010101" pitchFamily="18" charset="-127"/>
+              <a:ea typeface="HY그래픽M" panose="02030600000101010101" pitchFamily="18" charset="-127"/>
+            </a:endParaRPr>
+          </a:p>
+          <a:p>
+            <a:r>
+              <a:rPr lang="ko-KR" altLang="en-US" b="1" dirty="0">
+                <a:solidFill>
+                  <a:schemeClr val="bg1"/>
+                </a:solidFill>
+                <a:latin typeface="HY그래픽M" panose="02030600000101010101" pitchFamily="18" charset="-127"/>
+                <a:ea typeface="HY그래픽M" panose="02030600000101010101" pitchFamily="18" charset="-127"/>
+              </a:rPr>
+              <a:t>② 방을 이동한 시점</a:t>
+            </a:r>
+            <a:endParaRPr lang="en-US" altLang="ko-KR" b="1" dirty="0">
+              <a:solidFill>
+                <a:schemeClr val="bg1"/>
+              </a:solidFill>
+              <a:latin typeface="HY그래픽M" panose="02030600000101010101" pitchFamily="18" charset="-127"/>
+              <a:ea typeface="HY그래픽M" panose="02030600000101010101" pitchFamily="18" charset="-127"/>
+            </a:endParaRPr>
+          </a:p>
+          <a:p>
+            <a:pPr marL="285705" indent="-285705">
+              <a:buFontTx/>
+              <a:buChar char="-"/>
+            </a:pPr>
+            <a:endParaRPr lang="en-US" altLang="ko-KR" b="1" dirty="0">
+              <a:latin typeface="HY그래픽M" panose="02030600000101010101" pitchFamily="18" charset="-127"/>
+              <a:ea typeface="HY그래픽M" panose="02030600000101010101" pitchFamily="18" charset="-127"/>
+            </a:endParaRPr>
+          </a:p>
+          <a:p>
+            <a:pPr marL="285705" indent="-285705">
+              <a:buFontTx/>
+              <a:buChar char="-"/>
+            </a:pPr>
+            <a:r>
+              <a:rPr lang="ko-KR" altLang="en-US" b="1" dirty="0">
+                <a:latin typeface="HY그래픽M" panose="02030600000101010101" pitchFamily="18" charset="-127"/>
+                <a:ea typeface="HY그래픽M" panose="02030600000101010101" pitchFamily="18" charset="-127"/>
+              </a:rPr>
+              <a:t>게임을 저장할 때 데이터 저장 위치는 플레이어가 선택하는 것이 아닌</a:t>
+            </a:r>
+            <a:r>
+              <a:rPr lang="en-US" altLang="ko-KR" b="1" dirty="0">
+                <a:latin typeface="HY그래픽M" panose="02030600000101010101" pitchFamily="18" charset="-127"/>
+                <a:ea typeface="HY그래픽M" panose="02030600000101010101" pitchFamily="18" charset="-127"/>
+              </a:rPr>
+              <a:t>,</a:t>
+            </a:r>
+            <a:r>
+              <a:rPr lang="ko-KR" altLang="en-US" b="1" dirty="0">
+                <a:latin typeface="HY그래픽M" panose="02030600000101010101" pitchFamily="18" charset="-127"/>
+                <a:ea typeface="HY그래픽M" panose="02030600000101010101" pitchFamily="18" charset="-127"/>
+              </a:rPr>
+              <a:t> 타이틀화면에서 </a:t>
+            </a:r>
+            <a:r>
+              <a:rPr lang="ko-KR" altLang="en-US" b="1" dirty="0">
+                <a:solidFill>
+                  <a:schemeClr val="accent4"/>
+                </a:solidFill>
+                <a:latin typeface="HY그래픽M" panose="02030600000101010101" pitchFamily="18" charset="-127"/>
+                <a:ea typeface="HY그래픽M" panose="02030600000101010101" pitchFamily="18" charset="-127"/>
+              </a:rPr>
+              <a:t>새 게임을 시작할 때 고른 슬롯</a:t>
+            </a:r>
+            <a:r>
+              <a:rPr lang="ko-KR" altLang="en-US" b="1" dirty="0">
+                <a:latin typeface="HY그래픽M" panose="02030600000101010101" pitchFamily="18" charset="-127"/>
+                <a:ea typeface="HY그래픽M" panose="02030600000101010101" pitchFamily="18" charset="-127"/>
+              </a:rPr>
+              <a:t>으로 고정된다</a:t>
+            </a:r>
+            <a:r>
+              <a:rPr lang="en-US" altLang="ko-KR" b="1" dirty="0">
+                <a:latin typeface="HY그래픽M" panose="02030600000101010101" pitchFamily="18" charset="-127"/>
+                <a:ea typeface="HY그래픽M" panose="02030600000101010101" pitchFamily="18" charset="-127"/>
+              </a:rPr>
+              <a:t>.</a:t>
+            </a:r>
+          </a:p>
+          <a:p>
+            <a:pPr marL="285705" indent="-285705">
+              <a:buFontTx/>
+              <a:buChar char="-"/>
+            </a:pPr>
+            <a:endParaRPr lang="en-US" altLang="ko-KR" b="1" dirty="0">
+              <a:latin typeface="HY그래픽M" panose="02030600000101010101" pitchFamily="18" charset="-127"/>
+              <a:ea typeface="HY그래픽M" panose="02030600000101010101" pitchFamily="18" charset="-127"/>
+            </a:endParaRPr>
+          </a:p>
+          <a:p>
+            <a:pPr marL="285705" indent="-285705">
+              <a:buFontTx/>
+              <a:buChar char="-"/>
+            </a:pPr>
+            <a:r>
+              <a:rPr lang="ko-KR" altLang="en-US" b="1" dirty="0">
+                <a:latin typeface="HY그래픽M" panose="02030600000101010101" pitchFamily="18" charset="-127"/>
+                <a:ea typeface="HY그래픽M" panose="02030600000101010101" pitchFamily="18" charset="-127"/>
+              </a:rPr>
+              <a:t>게임 저장 시점마다</a:t>
+            </a:r>
+            <a:r>
+              <a:rPr lang="ko-KR" altLang="en-US" b="1" dirty="0">
+                <a:solidFill>
+                  <a:schemeClr val="accent4"/>
+                </a:solidFill>
+                <a:latin typeface="HY그래픽M" panose="02030600000101010101" pitchFamily="18" charset="-127"/>
+                <a:ea typeface="HY그래픽M" panose="02030600000101010101" pitchFamily="18" charset="-127"/>
+              </a:rPr>
+              <a:t> 계속해서 기존 데이터에 덮어씌우는 형태</a:t>
+            </a:r>
+            <a:r>
+              <a:rPr lang="ko-KR" altLang="en-US" b="1" dirty="0">
+                <a:latin typeface="HY그래픽M" panose="02030600000101010101" pitchFamily="18" charset="-127"/>
+                <a:ea typeface="HY그래픽M" panose="02030600000101010101" pitchFamily="18" charset="-127"/>
+              </a:rPr>
+              <a:t>이다</a:t>
+            </a:r>
+            <a:r>
+              <a:rPr lang="en-US" altLang="ko-KR" b="1" dirty="0">
+                <a:latin typeface="HY그래픽M" panose="02030600000101010101" pitchFamily="18" charset="-127"/>
+                <a:ea typeface="HY그래픽M" panose="02030600000101010101" pitchFamily="18" charset="-127"/>
+              </a:rPr>
+              <a:t>.</a:t>
+            </a:r>
+          </a:p>
+          <a:p>
+            <a:pPr marL="285705" indent="-285705">
+              <a:buFontTx/>
+              <a:buChar char="-"/>
+            </a:pPr>
+            <a:endParaRPr lang="en-US" altLang="ko-KR" b="1" dirty="0">
+              <a:latin typeface="HY그래픽M" panose="02030600000101010101" pitchFamily="18" charset="-127"/>
+              <a:ea typeface="HY그래픽M" panose="02030600000101010101" pitchFamily="18" charset="-127"/>
+            </a:endParaRPr>
           </a:p>
           <a:p>
             <a:pPr marL="285705" indent="-285705">
